--- a/iTrace/icons/Iconos.pptx
+++ b/iTrace/icons/Iconos.pptx
@@ -293,7 +293,7 @@
           <a:p>
             <a:fld id="{11D016D7-1A6F-4F95-8CB6-E0E61EDCD0F0}" type="datetimeFigureOut">
               <a:rPr lang="es-ES" smtClean="0"/>
-              <a:t>06/11/2012</a:t>
+              <a:t>07/11/2012</a:t>
             </a:fld>
             <a:endParaRPr lang="es-ES"/>
           </a:p>
@@ -463,7 +463,7 @@
           <a:p>
             <a:fld id="{11D016D7-1A6F-4F95-8CB6-E0E61EDCD0F0}" type="datetimeFigureOut">
               <a:rPr lang="es-ES" smtClean="0"/>
-              <a:t>06/11/2012</a:t>
+              <a:t>07/11/2012</a:t>
             </a:fld>
             <a:endParaRPr lang="es-ES"/>
           </a:p>
@@ -643,7 +643,7 @@
           <a:p>
             <a:fld id="{11D016D7-1A6F-4F95-8CB6-E0E61EDCD0F0}" type="datetimeFigureOut">
               <a:rPr lang="es-ES" smtClean="0"/>
-              <a:t>06/11/2012</a:t>
+              <a:t>07/11/2012</a:t>
             </a:fld>
             <a:endParaRPr lang="es-ES"/>
           </a:p>
@@ -813,7 +813,7 @@
           <a:p>
             <a:fld id="{11D016D7-1A6F-4F95-8CB6-E0E61EDCD0F0}" type="datetimeFigureOut">
               <a:rPr lang="es-ES" smtClean="0"/>
-              <a:t>06/11/2012</a:t>
+              <a:t>07/11/2012</a:t>
             </a:fld>
             <a:endParaRPr lang="es-ES"/>
           </a:p>
@@ -1059,7 +1059,7 @@
           <a:p>
             <a:fld id="{11D016D7-1A6F-4F95-8CB6-E0E61EDCD0F0}" type="datetimeFigureOut">
               <a:rPr lang="es-ES" smtClean="0"/>
-              <a:t>06/11/2012</a:t>
+              <a:t>07/11/2012</a:t>
             </a:fld>
             <a:endParaRPr lang="es-ES"/>
           </a:p>
@@ -1347,7 +1347,7 @@
           <a:p>
             <a:fld id="{11D016D7-1A6F-4F95-8CB6-E0E61EDCD0F0}" type="datetimeFigureOut">
               <a:rPr lang="es-ES" smtClean="0"/>
-              <a:t>06/11/2012</a:t>
+              <a:t>07/11/2012</a:t>
             </a:fld>
             <a:endParaRPr lang="es-ES"/>
           </a:p>
@@ -1769,7 +1769,7 @@
           <a:p>
             <a:fld id="{11D016D7-1A6F-4F95-8CB6-E0E61EDCD0F0}" type="datetimeFigureOut">
               <a:rPr lang="es-ES" smtClean="0"/>
-              <a:t>06/11/2012</a:t>
+              <a:t>07/11/2012</a:t>
             </a:fld>
             <a:endParaRPr lang="es-ES"/>
           </a:p>
@@ -1887,7 +1887,7 @@
           <a:p>
             <a:fld id="{11D016D7-1A6F-4F95-8CB6-E0E61EDCD0F0}" type="datetimeFigureOut">
               <a:rPr lang="es-ES" smtClean="0"/>
-              <a:t>06/11/2012</a:t>
+              <a:t>07/11/2012</a:t>
             </a:fld>
             <a:endParaRPr lang="es-ES"/>
           </a:p>
@@ -1982,7 +1982,7 @@
           <a:p>
             <a:fld id="{11D016D7-1A6F-4F95-8CB6-E0E61EDCD0F0}" type="datetimeFigureOut">
               <a:rPr lang="es-ES" smtClean="0"/>
-              <a:t>06/11/2012</a:t>
+              <a:t>07/11/2012</a:t>
             </a:fld>
             <a:endParaRPr lang="es-ES"/>
           </a:p>
@@ -2259,7 +2259,7 @@
           <a:p>
             <a:fld id="{11D016D7-1A6F-4F95-8CB6-E0E61EDCD0F0}" type="datetimeFigureOut">
               <a:rPr lang="es-ES" smtClean="0"/>
-              <a:t>06/11/2012</a:t>
+              <a:t>07/11/2012</a:t>
             </a:fld>
             <a:endParaRPr lang="es-ES"/>
           </a:p>
@@ -2512,7 +2512,7 @@
           <a:p>
             <a:fld id="{11D016D7-1A6F-4F95-8CB6-E0E61EDCD0F0}" type="datetimeFigureOut">
               <a:rPr lang="es-ES" smtClean="0"/>
-              <a:t>06/11/2012</a:t>
+              <a:t>07/11/2012</a:t>
             </a:fld>
             <a:endParaRPr lang="es-ES"/>
           </a:p>
@@ -2725,7 +2725,7 @@
           <a:p>
             <a:fld id="{11D016D7-1A6F-4F95-8CB6-E0E61EDCD0F0}" type="datetimeFigureOut">
               <a:rPr lang="es-ES" smtClean="0"/>
-              <a:t>06/11/2012</a:t>
+              <a:t>07/11/2012</a:t>
             </a:fld>
             <a:endParaRPr lang="es-ES"/>
           </a:p>
@@ -5494,7 +5494,7 @@
           <a:graphicData uri="http://schemas.openxmlformats.org/presentationml/2006/ole">
             <mc:AlternateContent xmlns:mc="http://schemas.openxmlformats.org/markup-compatibility/2006">
               <mc:Choice xmlns:v="urn:schemas-microsoft-com:vml" Requires="v">
-                <p:oleObj spid="_x0000_s1048" name="Paquete" r:id="rId15" imgW="638280" imgH="485640" progId="Package">
+                <p:oleObj spid="_x0000_s1050" name="Paquete" r:id="rId15" imgW="638280" imgH="485640" progId="Package">
                   <p:embed/>
                 </p:oleObj>
               </mc:Choice>
@@ -12565,6 +12565,209 @@
           <a:chExt cx="0" cy="0"/>
         </a:xfrm>
       </p:grpSpPr>
+      <p:grpSp>
+        <p:nvGrpSpPr>
+          <p:cNvPr id="75" name="74 Grupo"/>
+          <p:cNvGrpSpPr/>
+          <p:nvPr/>
+        </p:nvGrpSpPr>
+        <p:grpSpPr>
+          <a:xfrm>
+            <a:off x="5528021" y="4347039"/>
+            <a:ext cx="187452" cy="90207"/>
+            <a:chOff x="726589" y="3122769"/>
+            <a:chExt cx="187452" cy="90207"/>
+          </a:xfrm>
+        </p:grpSpPr>
+        <p:cxnSp>
+          <p:nvCxnSpPr>
+            <p:cNvPr id="91" name="90 Conector recto"/>
+            <p:cNvCxnSpPr>
+              <a:stCxn id="99" idx="1"/>
+              <a:endCxn id="94" idx="5"/>
+            </p:cNvCxnSpPr>
+            <p:nvPr/>
+          </p:nvCxnSpPr>
+          <p:spPr>
+            <a:xfrm flipH="1" flipV="1">
+              <a:off x="825335" y="3138133"/>
+              <a:ext cx="33396" cy="29910"/>
+            </a:xfrm>
+            <a:prstGeom prst="line">
+              <a:avLst/>
+            </a:prstGeom>
+            <a:ln w="3175"/>
+          </p:spPr>
+          <p:style>
+            <a:lnRef idx="1">
+              <a:schemeClr val="accent6"/>
+            </a:lnRef>
+            <a:fillRef idx="0">
+              <a:schemeClr val="accent6"/>
+            </a:fillRef>
+            <a:effectRef idx="0">
+              <a:schemeClr val="accent6"/>
+            </a:effectRef>
+            <a:fontRef idx="minor">
+              <a:schemeClr val="tx1"/>
+            </a:fontRef>
+          </p:style>
+        </p:cxnSp>
+        <p:cxnSp>
+          <p:nvCxnSpPr>
+            <p:cNvPr id="92" name="91 Conector recto"/>
+            <p:cNvCxnSpPr>
+              <a:stCxn id="97" idx="7"/>
+              <a:endCxn id="99" idx="3"/>
+            </p:cNvCxnSpPr>
+            <p:nvPr/>
+          </p:nvCxnSpPr>
+          <p:spPr>
+            <a:xfrm flipV="1">
+              <a:off x="781899" y="3180771"/>
+              <a:ext cx="76832" cy="16841"/>
+            </a:xfrm>
+            <a:prstGeom prst="line">
+              <a:avLst/>
+            </a:prstGeom>
+            <a:ln w="3175"/>
+          </p:spPr>
+          <p:style>
+            <a:lnRef idx="1">
+              <a:schemeClr val="accent6"/>
+            </a:lnRef>
+            <a:fillRef idx="0">
+              <a:schemeClr val="accent6"/>
+            </a:fillRef>
+            <a:effectRef idx="0">
+              <a:schemeClr val="accent6"/>
+            </a:effectRef>
+            <a:fontRef idx="minor">
+              <a:schemeClr val="tx1"/>
+            </a:fontRef>
+          </p:style>
+        </p:cxnSp>
+        <p:sp>
+          <p:nvSpPr>
+            <p:cNvPr id="94" name="93 Elipse"/>
+            <p:cNvSpPr/>
+            <p:nvPr/>
+          </p:nvSpPr>
+          <p:spPr>
+            <a:xfrm>
+              <a:off x="770025" y="3122769"/>
+              <a:ext cx="64800" cy="18000"/>
+            </a:xfrm>
+            <a:prstGeom prst="ellipse">
+              <a:avLst/>
+            </a:prstGeom>
+            <a:noFill/>
+            <a:ln w="6350"/>
+          </p:spPr>
+          <p:style>
+            <a:lnRef idx="2">
+              <a:schemeClr val="accent6"/>
+            </a:lnRef>
+            <a:fillRef idx="1">
+              <a:schemeClr val="lt1"/>
+            </a:fillRef>
+            <a:effectRef idx="0">
+              <a:schemeClr val="accent6"/>
+            </a:effectRef>
+            <a:fontRef idx="minor">
+              <a:schemeClr val="dk1"/>
+            </a:fontRef>
+          </p:style>
+          <p:txBody>
+            <a:bodyPr rtlCol="0" anchor="ctr"/>
+            <a:lstStyle/>
+            <a:p>
+              <a:pPr algn="ctr"/>
+              <a:endParaRPr lang="es-ES"/>
+            </a:p>
+          </p:txBody>
+        </p:sp>
+        <p:sp>
+          <p:nvSpPr>
+            <p:cNvPr id="97" name="96 Elipse"/>
+            <p:cNvSpPr/>
+            <p:nvPr/>
+          </p:nvSpPr>
+          <p:spPr>
+            <a:xfrm>
+              <a:off x="726589" y="3194976"/>
+              <a:ext cx="64800" cy="18000"/>
+            </a:xfrm>
+            <a:prstGeom prst="ellipse">
+              <a:avLst/>
+            </a:prstGeom>
+            <a:noFill/>
+            <a:ln w="6350"/>
+          </p:spPr>
+          <p:style>
+            <a:lnRef idx="2">
+              <a:schemeClr val="accent6"/>
+            </a:lnRef>
+            <a:fillRef idx="1">
+              <a:schemeClr val="lt1"/>
+            </a:fillRef>
+            <a:effectRef idx="0">
+              <a:schemeClr val="accent6"/>
+            </a:effectRef>
+            <a:fontRef idx="minor">
+              <a:schemeClr val="dk1"/>
+            </a:fontRef>
+          </p:style>
+          <p:txBody>
+            <a:bodyPr rtlCol="0" anchor="ctr"/>
+            <a:lstStyle/>
+            <a:p>
+              <a:pPr algn="ctr"/>
+              <a:endParaRPr lang="es-ES"/>
+            </a:p>
+          </p:txBody>
+        </p:sp>
+        <p:sp>
+          <p:nvSpPr>
+            <p:cNvPr id="99" name="98 Elipse"/>
+            <p:cNvSpPr/>
+            <p:nvPr/>
+          </p:nvSpPr>
+          <p:spPr>
+            <a:xfrm>
+              <a:off x="849241" y="3165407"/>
+              <a:ext cx="64800" cy="18000"/>
+            </a:xfrm>
+            <a:prstGeom prst="ellipse">
+              <a:avLst/>
+            </a:prstGeom>
+            <a:noFill/>
+            <a:ln w="6350"/>
+          </p:spPr>
+          <p:style>
+            <a:lnRef idx="2">
+              <a:schemeClr val="accent6"/>
+            </a:lnRef>
+            <a:fillRef idx="1">
+              <a:schemeClr val="lt1"/>
+            </a:fillRef>
+            <a:effectRef idx="0">
+              <a:schemeClr val="accent6"/>
+            </a:effectRef>
+            <a:fontRef idx="minor">
+              <a:schemeClr val="dk1"/>
+            </a:fontRef>
+          </p:style>
+          <p:txBody>
+            <a:bodyPr rtlCol="0" anchor="ctr"/>
+            <a:lstStyle/>
+            <a:p>
+              <a:pPr algn="ctr"/>
+              <a:endParaRPr lang="es-ES"/>
+            </a:p>
+          </p:txBody>
+        </p:sp>
+      </p:grpSp>
       <p:sp>
         <p:nvSpPr>
           <p:cNvPr id="72" name="71 Flecha a la derecha con bandas"/>
@@ -16263,7 +16466,7 @@
         </p:nvSpPr>
         <p:spPr>
           <a:xfrm>
-            <a:off x="4463485" y="3985003"/>
+            <a:off x="4468247" y="3982622"/>
             <a:ext cx="349769" cy="153888"/>
           </a:xfrm>
           <a:prstGeom prst="rect">
@@ -16292,6 +16495,1142 @@
               </a:solidFill>
               <a:latin typeface="Forte" pitchFamily="66" charset="0"/>
             </a:endParaRPr>
+          </a:p>
+        </p:txBody>
+      </p:sp>
+      <p:pic>
+        <p:nvPicPr>
+          <p:cNvPr id="36" name="Picture 2" descr="D:\Desktop\iconos\code.png"/>
+          <p:cNvPicPr>
+            <a:picLocks noChangeAspect="1" noChangeArrowheads="1"/>
+          </p:cNvPicPr>
+          <p:nvPr/>
+        </p:nvPicPr>
+        <p:blipFill>
+          <a:blip r:embed="rId17" cstate="print">
+            <a:extLst>
+              <a:ext uri="{28A0092B-C50C-407E-A947-70E740481C1C}">
+                <a14:useLocalDpi xmlns:a14="http://schemas.microsoft.com/office/drawing/2010/main" val="0"/>
+              </a:ext>
+            </a:extLst>
+          </a:blip>
+          <a:srcRect/>
+          <a:stretch>
+            <a:fillRect/>
+          </a:stretch>
+        </p:blipFill>
+        <p:spPr bwMode="auto">
+          <a:xfrm>
+            <a:off x="5114425" y="4119142"/>
+            <a:ext cx="72000" cy="92572"/>
+          </a:xfrm>
+          <a:prstGeom prst="rect">
+            <a:avLst/>
+          </a:prstGeom>
+          <a:noFill/>
+          <a:extLst>
+            <a:ext uri="{909E8E84-426E-40DD-AFC4-6F175D3DCCD1}">
+              <a14:hiddenFill xmlns:a14="http://schemas.microsoft.com/office/drawing/2010/main">
+                <a:solidFill>
+                  <a:srgbClr val="FFFFFF"/>
+                </a:solidFill>
+              </a14:hiddenFill>
+            </a:ext>
+          </a:extLst>
+        </p:spPr>
+      </p:pic>
+      <p:sp>
+        <p:nvSpPr>
+          <p:cNvPr id="84" name="83 CuadroTexto"/>
+          <p:cNvSpPr txBox="1"/>
+          <p:nvPr/>
+        </p:nvSpPr>
+        <p:spPr>
+          <a:xfrm>
+            <a:off x="5020715" y="4111264"/>
+            <a:ext cx="349769" cy="153888"/>
+          </a:xfrm>
+          <a:prstGeom prst="rect">
+            <a:avLst/>
+          </a:prstGeom>
+          <a:noFill/>
+        </p:spPr>
+        <p:txBody>
+          <a:bodyPr wrap="square" rtlCol="0">
+            <a:spAutoFit/>
+          </a:bodyPr>
+          <a:lstStyle/>
+          <a:p>
+            <a:r>
+              <a:rPr lang="es-ES" sz="400" dirty="0" smtClean="0">
+                <a:solidFill>
+                  <a:srgbClr val="C00000"/>
+                </a:solidFill>
+                <a:latin typeface="Forte" pitchFamily="66" charset="0"/>
+              </a:rPr>
+              <a:t>SQL</a:t>
+            </a:r>
+            <a:endParaRPr lang="es-ES" sz="400" dirty="0">
+              <a:solidFill>
+                <a:srgbClr val="C00000"/>
+              </a:solidFill>
+              <a:latin typeface="Forte" pitchFamily="66" charset="0"/>
+            </a:endParaRPr>
+          </a:p>
+        </p:txBody>
+      </p:sp>
+      <p:pic>
+        <p:nvPicPr>
+          <p:cNvPr id="88" name="Picture 2" descr="D:\Desktop\iconos\code.png"/>
+          <p:cNvPicPr>
+            <a:picLocks noChangeAspect="1" noChangeArrowheads="1"/>
+          </p:cNvPicPr>
+          <p:nvPr/>
+        </p:nvPicPr>
+        <p:blipFill>
+          <a:blip r:embed="rId17" cstate="print">
+            <a:extLst>
+              <a:ext uri="{28A0092B-C50C-407E-A947-70E740481C1C}">
+                <a14:useLocalDpi xmlns:a14="http://schemas.microsoft.com/office/drawing/2010/main" val="0"/>
+              </a:ext>
+            </a:extLst>
+          </a:blip>
+          <a:srcRect/>
+          <a:stretch>
+            <a:fillRect/>
+          </a:stretch>
+        </p:blipFill>
+        <p:spPr bwMode="auto">
+          <a:xfrm>
+            <a:off x="5995957" y="3814790"/>
+            <a:ext cx="72000" cy="92572"/>
+          </a:xfrm>
+          <a:prstGeom prst="rect">
+            <a:avLst/>
+          </a:prstGeom>
+          <a:noFill/>
+          <a:extLst>
+            <a:ext uri="{909E8E84-426E-40DD-AFC4-6F175D3DCCD1}">
+              <a14:hiddenFill xmlns:a14="http://schemas.microsoft.com/office/drawing/2010/main">
+                <a:solidFill>
+                  <a:srgbClr val="FFFFFF"/>
+                </a:solidFill>
+              </a14:hiddenFill>
+            </a:ext>
+          </a:extLst>
+        </p:spPr>
+      </p:pic>
+      <p:sp>
+        <p:nvSpPr>
+          <p:cNvPr id="103" name="102 Más"/>
+          <p:cNvSpPr/>
+          <p:nvPr/>
+        </p:nvSpPr>
+        <p:spPr>
+          <a:xfrm>
+            <a:off x="6022318" y="3861048"/>
+            <a:ext cx="64800" cy="64800"/>
+          </a:xfrm>
+          <a:prstGeom prst="mathPlus">
+            <a:avLst/>
+          </a:prstGeom>
+        </p:spPr>
+        <p:style>
+          <a:lnRef idx="0">
+            <a:schemeClr val="accent3"/>
+          </a:lnRef>
+          <a:fillRef idx="3">
+            <a:schemeClr val="accent3"/>
+          </a:fillRef>
+          <a:effectRef idx="3">
+            <a:schemeClr val="accent3"/>
+          </a:effectRef>
+          <a:fontRef idx="minor">
+            <a:schemeClr val="lt1"/>
+          </a:fontRef>
+        </p:style>
+        <p:txBody>
+          <a:bodyPr rtlCol="0" anchor="ctr"/>
+          <a:lstStyle/>
+          <a:p>
+            <a:pPr algn="ctr"/>
+            <a:endParaRPr lang="es-ES"/>
+          </a:p>
+        </p:txBody>
+      </p:sp>
+      <p:pic>
+        <p:nvPicPr>
+          <p:cNvPr id="104" name="Picture 4" descr="http://wiki.eclipse.org/images/0/0c/AtlLogo.png"/>
+          <p:cNvPicPr>
+            <a:picLocks noChangeAspect="1" noChangeArrowheads="1"/>
+          </p:cNvPicPr>
+          <p:nvPr/>
+        </p:nvPicPr>
+        <p:blipFill>
+          <a:blip r:embed="rId18" cstate="print">
+            <a:clrChange>
+              <a:clrFrom>
+                <a:srgbClr val="FFFFFF"/>
+              </a:clrFrom>
+              <a:clrTo>
+                <a:srgbClr val="FFFFFF">
+                  <a:alpha val="0"/>
+                </a:srgbClr>
+              </a:clrTo>
+            </a:clrChange>
+            <a:extLst>
+              <a:ext uri="{28A0092B-C50C-407E-A947-70E740481C1C}">
+                <a14:useLocalDpi xmlns:a14="http://schemas.microsoft.com/office/drawing/2010/main" val="0"/>
+              </a:ext>
+            </a:extLst>
+          </a:blip>
+          <a:srcRect/>
+          <a:stretch>
+            <a:fillRect/>
+          </a:stretch>
+        </p:blipFill>
+        <p:spPr bwMode="auto">
+          <a:xfrm>
+            <a:off x="5577294" y="4306573"/>
+            <a:ext cx="61876" cy="62391"/>
+          </a:xfrm>
+          <a:prstGeom prst="rect">
+            <a:avLst/>
+          </a:prstGeom>
+          <a:noFill/>
+          <a:extLst>
+            <a:ext uri="{909E8E84-426E-40DD-AFC4-6F175D3DCCD1}">
+              <a14:hiddenFill xmlns:a14="http://schemas.microsoft.com/office/drawing/2010/main">
+                <a:solidFill>
+                  <a:srgbClr val="FFFFFF"/>
+                </a:solidFill>
+              </a14:hiddenFill>
+            </a:ext>
+          </a:extLst>
+        </p:spPr>
+      </p:pic>
+      <p:pic>
+        <p:nvPicPr>
+          <p:cNvPr id="105" name="Picture 4" descr="http://wiki.eclipse.org/images/0/0c/AtlLogo.png"/>
+          <p:cNvPicPr>
+            <a:picLocks noChangeAspect="1" noChangeArrowheads="1"/>
+          </p:cNvPicPr>
+          <p:nvPr/>
+        </p:nvPicPr>
+        <p:blipFill>
+          <a:blip r:embed="rId18" cstate="print">
+            <a:clrChange>
+              <a:clrFrom>
+                <a:srgbClr val="FFFFFF"/>
+              </a:clrFrom>
+              <a:clrTo>
+                <a:srgbClr val="FFFFFF">
+                  <a:alpha val="0"/>
+                </a:srgbClr>
+              </a:clrTo>
+            </a:clrChange>
+            <a:extLst>
+              <a:ext uri="{28A0092B-C50C-407E-A947-70E740481C1C}">
+                <a14:useLocalDpi xmlns:a14="http://schemas.microsoft.com/office/drawing/2010/main" val="0"/>
+              </a:ext>
+            </a:extLst>
+          </a:blip>
+          <a:srcRect/>
+          <a:stretch>
+            <a:fillRect/>
+          </a:stretch>
+        </p:blipFill>
+        <p:spPr bwMode="auto">
+          <a:xfrm>
+            <a:off x="5533377" y="4379620"/>
+            <a:ext cx="61876" cy="62391"/>
+          </a:xfrm>
+          <a:prstGeom prst="rect">
+            <a:avLst/>
+          </a:prstGeom>
+          <a:noFill/>
+          <a:extLst>
+            <a:ext uri="{909E8E84-426E-40DD-AFC4-6F175D3DCCD1}">
+              <a14:hiddenFill xmlns:a14="http://schemas.microsoft.com/office/drawing/2010/main">
+                <a:solidFill>
+                  <a:srgbClr val="FFFFFF"/>
+                </a:solidFill>
+              </a14:hiddenFill>
+            </a:ext>
+          </a:extLst>
+        </p:spPr>
+      </p:pic>
+      <p:sp>
+        <p:nvSpPr>
+          <p:cNvPr id="76" name="AutoShape 6" descr="data:image/jpeg;base64,/9j/4AAQSkZJRgABAQAAAQABAAD/2wCEAAkGBg8SEBQSExQQEhUWFBQQFBQQDxYVFg8QFhAVFRQWFxIXHyceFxonGRYUHzEgJCktLS0uFR4zNTUqNSYrOCkBCQoKDgwOGg8PGi0lHiQ1MTUsKjQwLCwsNS0qKS4qLC8sKSk1LDAvLC8sLCkpLCoqLDAsLSwpLCkpLCwtKTU1LP/AABEIAGYAZgMBIgACEQEDEQH/xAAcAAACAgMBAQAAAAAAAAAAAAAABQMGAgQHAQj/xABDEAABAwICBQYKCAQHAAAAAAABAAIDBBEFEgYhMVFhBxMyQXGBFCJCUmKRkqGx0SM0RFNzk7LBFiRyohUzQ2OCs8L/xAAaAQACAwEBAAAAAAAAAAAAAAADBAACBQEG/8QALhEAAgECBAMGBgMAAAAAAAAAAQIAAxEEEiExYZGxEyJBQlHwBRRScYHBMjOh/9oADAMBAAIRAxEAPwDuKEIUkgtHFcbp6ZodNI1l+iNrnnc1g1uPYkuM6UvMhp6QNdIDlkmcLx053W8t/o7B1rHCsCjjdzry6aY9KWU5nngD5I4CwQi5Oi84E1CTZOfveTfxBWTfVqbI3qlrHc2O0Qtu899lk3DcSf06xkd/JgpG6ux8hJ9yaMcpmvUyX3J6dJ3Jfcnp0ib+Hqrqr6rvigI9WRYupMUj1sqaeb0Z6Ys/vjd+ye51g5y72Y48zJ2Y48zEo0rki+t08kQ+9hPPRdpLRmb3jVvTyiropmB8b2yNOxzHAj3dfBa8hVcrcDMbzPSO5iXa4NH0c3CSPYe0a1zvLx6zl2Xj1lyQkej+kzZyYpG8zO0XdGTcPb58bvKb7x1p4rqwYXEIrBhcQQhCtLQVS0w0heHeCQOLZHDNLINsER2Aem7q3DXuT7HMWbTU8kzteRtwPPedTW95IC5zhLXFxfIc0j3GWU73nXbsGoDgECo2uUQFVvIPzLFg1EyKMNaANWz5nrJ6ym0ciVxyrajlXRYaCRbAWEZMkUEhJJ1naevio2SqeEXF+Lv1FEBhFMisd59alp3EHr2fuFnzailNiOw/ELpljtJXyLXkkWD5VrySql4MmK8doc1ntJY9hzMe3pRv6iOB2EdasOiukPhMZa8Bs0ZDZWjZfqe30XDWO8JNO+4I3qvMxF1LUMqRsackwHlwE+N3t6Q7EInIc3OBLZDm5zqyFjG8OAINwQCCOsHYUJmNyjcpFfd9PTjZc1Lxwb4sf9xcf+ISXDpNfd+680xqM2JTegyKMcPFzH3uUOHv8cDeQPekc12J49NIhmu5PHppH0Uy2Y5k9GjVOOp3tlZDR+Dc72ymMjRjI0UMmTfDheMHi79RWYwOHc72itqClaxuVt7azrN9purKpG8uqkbyPm0uxQ2Lex3xanORa9Th7JLZr6rgWNttvkrsLiXYXErz5lryTKxHAodzvaKxOj0G53tlCyNBZGlUlmSSuIJcDsN796u+MYFDHA97Q67RcXed4GxUCokuShPddDA1AV0MvvJ5iBkogxxu6Fzqc8Wt1sPsFo7l6knJlP8ATVMe9sUvf4zD8AhFom6CGoG6D3tK/pNqxGq/Eae7mmLChd47f6m/qCn5RPocSLnamyxMffcW3Z+x9yUw4tEwh2ZpsQbA3vY36lnswViD6/uZ5bKxB9T1nckXXOxyvMOymk/Nb8lK3lVB+zP/ADm/JOnF0R5o98zS+qX+6Lqit5Tb/Zn/AJzfkrRg2K+EQtlylmbMMpN7WcRtHYrU8RTqGyG5hEqo5spjK6LqLOkukek/gmT6MyZ82x4bly237dqI7qi5mOkszBRcx/dF1Q3cp4H2Z/5zfkoncrDR9mf+c35IHzlA+aB+ZpfVLZpQf5Sb+n/0FyqVyd4nyoxzRPiMEkecWzGRrg3WDsAv1KsSYlFa+dvr1+ragVqyMe6YtWqqx7plt5M/rk/4DP8AtNv3QpeSSPN4TPY2LmRN7Ggk/EetCZw/8LxnDf13+/WT8reD85Txzga4nFr/AMOSwv3ODfaK5VFAb2X0ZXUTJonxPF2vaWOHAi3rXEsRwR8Ez4n9KM2J+8jPQkHAjbuKz/iFMg5x4xLGUrNnHjNGnp0zpqNe0dMnlJRrDJvE1W81YKBXvRsZaZg4v/WUkgo09w/xYwOLv1FavwwWqn7fsTRwqWa8Y51WtMYc5i4B/wAWp5ziX4rHmLeAd8WrTxwvQb8dY1XF6ZEotRQpXU0iudTRpPWUi8vtMdktKjUQLRdBr4DWexWCrp0z0P0Y8IqmtcPo4y2WbcTtji7SdZ4BNUAajBRKIhZrCdD0EwfwahiYRZzhzr+Dn67dzco7kKwBC9QqhVCib6KFUKPCCr+lmjPhLA+PK2eO+Rx2Padsb/RPuOtWBCjoHGUyOocWM5TR0wJd4pY5hyyRu6ULtxHWNx2FO6SnVixzRpk5EjHGGdos2VovceY9ux7OB7khNWYHZKtnMHYJm3dTydj9sZ4O9awK+Bam1xtM40ezOu3rGMECyNSxpylzQQTqLgDtvsK26dlwCLEHYWm4PYQttjUxhr0je0bpjLFHh0fns9tvzWTHtedRa6wPRINrkbk4yqGRqZrVC6FSJdjcWiWogSesp1Yq97I2l8jmRt86RwaPftSiCKeqP8u0xx9dVOy1x/swnW4+k6wWScMztYCJOlzYSvjDHvlEMYDpna7HowM+8k3DcNpXR8BwSOlhETLnynvPSlkPSc7j8AAF7g2Bw0zMsYNycz3vN3yv857us+4dSYLawuFFAcYzQoCnqd4IQhORmCEIUkgsXxhwIIBB1EEXBHEIQpJEkmh9ODmgdLSuO3waTI09sRuw+pYf4ZiTOhUwSfj0lj64nNHuXqEI0U9IPsl8NP8AJ6YMV86gHHm5j7syx/wavf8A5lW1g6xS0zW3HB8hcR3L1C52K+zJ2Y485NRaJ0sbhI5rppB/q1LzK8Hhm1N7gE5QhEVQugEsqhdhBCEK0tBCEKST/9k="/>
+          <p:cNvSpPr>
+            <a:spLocks noChangeAspect="1" noChangeArrowheads="1"/>
+          </p:cNvSpPr>
+          <p:nvPr/>
+        </p:nvSpPr>
+        <p:spPr bwMode="auto">
+          <a:xfrm>
+            <a:off x="155575" y="-144463"/>
+            <a:ext cx="304800" cy="304801"/>
+          </a:xfrm>
+          <a:prstGeom prst="rect">
+            <a:avLst/>
+          </a:prstGeom>
+          <a:noFill/>
+          <a:extLst>
+            <a:ext uri="{909E8E84-426E-40DD-AFC4-6F175D3DCCD1}">
+              <a14:hiddenFill xmlns:a14="http://schemas.microsoft.com/office/drawing/2010/main">
+                <a:solidFill>
+                  <a:srgbClr val="FFFFFF"/>
+                </a:solidFill>
+              </a14:hiddenFill>
+            </a:ext>
+          </a:extLst>
+        </p:spPr>
+        <p:txBody>
+          <a:bodyPr vert="horz" wrap="square" lIns="91440" tIns="45720" rIns="91440" bIns="45720" numCol="1" anchor="t" anchorCtr="0" compatLnSpc="1">
+            <a:prstTxWarp prst="textNoShape">
+              <a:avLst/>
+            </a:prstTxWarp>
+          </a:bodyPr>
+          <a:lstStyle/>
+          <a:p>
+            <a:endParaRPr lang="es-ES"/>
+          </a:p>
+        </p:txBody>
+      </p:sp>
+      <p:sp>
+        <p:nvSpPr>
+          <p:cNvPr id="78" name="AutoShape 8" descr="data:image/jpeg;base64,/9j/4AAQSkZJRgABAQAAAQABAAD/2wCEAAkGBg8SEBQSExQQEhUWFBQQFBQQDxYVFg8QFhAVFRQWFxIXHyceFxonGRYUHzEgJCktLS0uFR4zNTUqNSYrOCkBCQoKDgwOGg8PGi0lHiQ1MTUsKjQwLCwsNS0qKS4qLC8sKSk1LDAvLC8sLCkpLCoqLDAsLSwpLCkpLCwtKTU1LP/AABEIAGYAZgMBIgACEQEDEQH/xAAcAAACAgMBAQAAAAAAAAAAAAAABQMGAgQHAQj/xABDEAABAwICBQYKCAQHAAAAAAABAAIDBBEFEgYhMVFhBxMyQXGBFCJCUmKRkqGx0SM0RFNzk7LBFiRyohUzQ2OCs8L/xAAaAQACAwEBAAAAAAAAAAAAAAADBAACBQEG/8QALhEAAgECBAMGBgMAAAAAAAAAAQIAAxEEEiExYZGxEyJBQlHwBRRScYHBMjOh/9oADAMBAAIRAxEAPwDuKEIUkgtHFcbp6ZodNI1l+iNrnnc1g1uPYkuM6UvMhp6QNdIDlkmcLx053W8t/o7B1rHCsCjjdzry6aY9KWU5nngD5I4CwQi5Oi84E1CTZOfveTfxBWTfVqbI3qlrHc2O0Qtu899lk3DcSf06xkd/JgpG6ux8hJ9yaMcpmvUyX3J6dJ3Jfcnp0ib+Hqrqr6rvigI9WRYupMUj1sqaeb0Z6Ys/vjd+ye51g5y72Y48zJ2Y48zEo0rki+t08kQ+9hPPRdpLRmb3jVvTyiropmB8b2yNOxzHAj3dfBa8hVcrcDMbzPSO5iXa4NH0c3CSPYe0a1zvLx6zl2Xj1lyQkej+kzZyYpG8zO0XdGTcPb58bvKb7x1p4rqwYXEIrBhcQQhCtLQVS0w0heHeCQOLZHDNLINsER2Aem7q3DXuT7HMWbTU8kzteRtwPPedTW95IC5zhLXFxfIc0j3GWU73nXbsGoDgECo2uUQFVvIPzLFg1EyKMNaANWz5nrJ6ym0ciVxyrajlXRYaCRbAWEZMkUEhJJ1naevio2SqeEXF+Lv1FEBhFMisd59alp3EHr2fuFnzailNiOw/ELpljtJXyLXkkWD5VrySql4MmK8doc1ntJY9hzMe3pRv6iOB2EdasOiukPhMZa8Bs0ZDZWjZfqe30XDWO8JNO+4I3qvMxF1LUMqRsackwHlwE+N3t6Q7EInIc3OBLZDm5zqyFjG8OAINwQCCOsHYUJmNyjcpFfd9PTjZc1Lxwb4sf9xcf+ISXDpNfd+680xqM2JTegyKMcPFzH3uUOHv8cDeQPekc12J49NIhmu5PHppH0Uy2Y5k9GjVOOp3tlZDR+Dc72ymMjRjI0UMmTfDheMHi79RWYwOHc72itqClaxuVt7azrN9purKpG8uqkbyPm0uxQ2Lex3xanORa9Th7JLZr6rgWNttvkrsLiXYXErz5lryTKxHAodzvaKxOj0G53tlCyNBZGlUlmSSuIJcDsN796u+MYFDHA97Q67RcXed4GxUCokuShPddDA1AV0MvvJ5iBkogxxu6Fzqc8Wt1sPsFo7l6knJlP8ATVMe9sUvf4zD8AhFom6CGoG6D3tK/pNqxGq/Eae7mmLChd47f6m/qCn5RPocSLnamyxMffcW3Z+x9yUw4tEwh2ZpsQbA3vY36lnswViD6/uZ5bKxB9T1nckXXOxyvMOymk/Nb8lK3lVB+zP/ADm/JOnF0R5o98zS+qX+6Lqit5Tb/Zn/AJzfkrRg2K+EQtlylmbMMpN7WcRtHYrU8RTqGyG5hEqo5spjK6LqLOkukek/gmT6MyZ82x4bly237dqI7qi5mOkszBRcx/dF1Q3cp4H2Z/5zfkoncrDR9mf+c35IHzlA+aB+ZpfVLZpQf5Sb+n/0FyqVyd4nyoxzRPiMEkecWzGRrg3WDsAv1KsSYlFa+dvr1+ragVqyMe6YtWqqx7plt5M/rk/4DP8AtNv3QpeSSPN4TPY2LmRN7Ggk/EetCZw/8LxnDf13+/WT8reD85Txzga4nFr/AMOSwv3ODfaK5VFAb2X0ZXUTJonxPF2vaWOHAi3rXEsRwR8Ez4n9KM2J+8jPQkHAjbuKz/iFMg5x4xLGUrNnHjNGnp0zpqNe0dMnlJRrDJvE1W81YKBXvRsZaZg4v/WUkgo09w/xYwOLv1FavwwWqn7fsTRwqWa8Y51WtMYc5i4B/wAWp5ziX4rHmLeAd8WrTxwvQb8dY1XF6ZEotRQpXU0iudTRpPWUi8vtMdktKjUQLRdBr4DWexWCrp0z0P0Y8IqmtcPo4y2WbcTtji7SdZ4BNUAajBRKIhZrCdD0EwfwahiYRZzhzr+Dn67dzco7kKwBC9QqhVCib6KFUKPCCr+lmjPhLA+PK2eO+Rx2Padsb/RPuOtWBCjoHGUyOocWM5TR0wJd4pY5hyyRu6ULtxHWNx2FO6SnVixzRpk5EjHGGdos2VovceY9ux7OB7khNWYHZKtnMHYJm3dTydj9sZ4O9awK+Bam1xtM40ezOu3rGMECyNSxpylzQQTqLgDtvsK26dlwCLEHYWm4PYQttjUxhr0je0bpjLFHh0fns9tvzWTHtedRa6wPRINrkbk4yqGRqZrVC6FSJdjcWiWogSesp1Yq97I2l8jmRt86RwaPftSiCKeqP8u0xx9dVOy1x/swnW4+k6wWScMztYCJOlzYSvjDHvlEMYDpna7HowM+8k3DcNpXR8BwSOlhETLnynvPSlkPSc7j8AAF7g2Bw0zMsYNycz3vN3yv857us+4dSYLawuFFAcYzQoCnqd4IQhORmCEIUkgsXxhwIIBB1EEXBHEIQpJEkmh9ODmgdLSuO3waTI09sRuw+pYf4ZiTOhUwSfj0lj64nNHuXqEI0U9IPsl8NP8AJ6YMV86gHHm5j7syx/wavf8A5lW1g6xS0zW3HB8hcR3L1C52K+zJ2Y485NRaJ0sbhI5rppB/q1LzK8Hhm1N7gE5QhEVQugEsqhdhBCEK0tBCEKST/9k="/>
+          <p:cNvSpPr>
+            <a:spLocks noChangeAspect="1" noChangeArrowheads="1"/>
+          </p:cNvSpPr>
+          <p:nvPr/>
+        </p:nvSpPr>
+        <p:spPr bwMode="auto">
+          <a:xfrm>
+            <a:off x="307975" y="7937"/>
+            <a:ext cx="304800" cy="304801"/>
+          </a:xfrm>
+          <a:prstGeom prst="rect">
+            <a:avLst/>
+          </a:prstGeom>
+          <a:noFill/>
+          <a:extLst>
+            <a:ext uri="{909E8E84-426E-40DD-AFC4-6F175D3DCCD1}">
+              <a14:hiddenFill xmlns:a14="http://schemas.microsoft.com/office/drawing/2010/main">
+                <a:solidFill>
+                  <a:srgbClr val="FFFFFF"/>
+                </a:solidFill>
+              </a14:hiddenFill>
+            </a:ext>
+          </a:extLst>
+        </p:spPr>
+        <p:txBody>
+          <a:bodyPr vert="horz" wrap="square" lIns="91440" tIns="45720" rIns="91440" bIns="45720" numCol="1" anchor="t" anchorCtr="0" compatLnSpc="1">
+            <a:prstTxWarp prst="textNoShape">
+              <a:avLst/>
+            </a:prstTxWarp>
+          </a:bodyPr>
+          <a:lstStyle/>
+          <a:p>
+            <a:endParaRPr lang="es-ES"/>
+          </a:p>
+        </p:txBody>
+      </p:sp>
+      <p:pic>
+        <p:nvPicPr>
+          <p:cNvPr id="2058" name="Picture 10"/>
+          <p:cNvPicPr>
+            <a:picLocks noChangeAspect="1" noChangeArrowheads="1"/>
+          </p:cNvPicPr>
+          <p:nvPr/>
+        </p:nvPicPr>
+        <p:blipFill>
+          <a:blip r:embed="rId19" cstate="print">
+            <a:clrChange>
+              <a:clrFrom>
+                <a:srgbClr val="FFFFFF"/>
+              </a:clrFrom>
+              <a:clrTo>
+                <a:srgbClr val="FFFFFF">
+                  <a:alpha val="0"/>
+                </a:srgbClr>
+              </a:clrTo>
+            </a:clrChange>
+            <a:extLst>
+              <a:ext uri="{28A0092B-C50C-407E-A947-70E740481C1C}">
+                <a14:useLocalDpi xmlns:a14="http://schemas.microsoft.com/office/drawing/2010/main" val="0"/>
+              </a:ext>
+            </a:extLst>
+          </a:blip>
+          <a:srcRect/>
+          <a:stretch>
+            <a:fillRect/>
+          </a:stretch>
+        </p:blipFill>
+        <p:spPr bwMode="auto">
+          <a:xfrm>
+            <a:off x="5650673" y="4337803"/>
+            <a:ext cx="72000" cy="72000"/>
+          </a:xfrm>
+          <a:prstGeom prst="rect">
+            <a:avLst/>
+          </a:prstGeom>
+          <a:noFill/>
+          <a:ln>
+            <a:noFill/>
+          </a:ln>
+          <a:effectLst/>
+          <a:extLst>
+            <a:ext uri="{909E8E84-426E-40DD-AFC4-6F175D3DCCD1}">
+              <a14:hiddenFill xmlns:a14="http://schemas.microsoft.com/office/drawing/2010/main">
+                <a:solidFill>
+                  <a:schemeClr val="accent1"/>
+                </a:solidFill>
+              </a14:hiddenFill>
+            </a:ext>
+            <a:ext uri="{91240B29-F687-4F45-9708-019B960494DF}">
+              <a14:hiddenLine xmlns:a14="http://schemas.microsoft.com/office/drawing/2010/main" w="9525">
+                <a:solidFill>
+                  <a:schemeClr val="tx1"/>
+                </a:solidFill>
+                <a:miter lim="800000"/>
+                <a:headEnd/>
+                <a:tailEnd/>
+              </a14:hiddenLine>
+            </a:ext>
+            <a:ext uri="{AF507438-7753-43E0-B8FC-AC1667EBCBE1}">
+              <a14:hiddenEffects xmlns:a14="http://schemas.microsoft.com/office/drawing/2010/main">
+                <a:effectLst>
+                  <a:outerShdw dist="35921" dir="2700000" algn="ctr" rotWithShape="0">
+                    <a:schemeClr val="bg2"/>
+                  </a:outerShdw>
+                </a:effectLst>
+              </a14:hiddenEffects>
+            </a:ext>
+          </a:extLst>
+        </p:spPr>
+      </p:pic>
+      <p:grpSp>
+        <p:nvGrpSpPr>
+          <p:cNvPr id="111" name="110 Grupo"/>
+          <p:cNvGrpSpPr/>
+          <p:nvPr/>
+        </p:nvGrpSpPr>
+        <p:grpSpPr>
+          <a:xfrm>
+            <a:off x="6516216" y="4084445"/>
+            <a:ext cx="187452" cy="90207"/>
+            <a:chOff x="726589" y="3122769"/>
+            <a:chExt cx="187452" cy="90207"/>
+          </a:xfrm>
+        </p:grpSpPr>
+        <p:cxnSp>
+          <p:nvCxnSpPr>
+            <p:cNvPr id="112" name="111 Conector recto"/>
+            <p:cNvCxnSpPr>
+              <a:stCxn id="116" idx="1"/>
+              <a:endCxn id="114" idx="5"/>
+            </p:cNvCxnSpPr>
+            <p:nvPr/>
+          </p:nvCxnSpPr>
+          <p:spPr>
+            <a:xfrm flipH="1" flipV="1">
+              <a:off x="825335" y="3138133"/>
+              <a:ext cx="33396" cy="29910"/>
+            </a:xfrm>
+            <a:prstGeom prst="line">
+              <a:avLst/>
+            </a:prstGeom>
+            <a:ln w="3175"/>
+          </p:spPr>
+          <p:style>
+            <a:lnRef idx="1">
+              <a:schemeClr val="accent6"/>
+            </a:lnRef>
+            <a:fillRef idx="0">
+              <a:schemeClr val="accent6"/>
+            </a:fillRef>
+            <a:effectRef idx="0">
+              <a:schemeClr val="accent6"/>
+            </a:effectRef>
+            <a:fontRef idx="minor">
+              <a:schemeClr val="tx1"/>
+            </a:fontRef>
+          </p:style>
+        </p:cxnSp>
+        <p:cxnSp>
+          <p:nvCxnSpPr>
+            <p:cNvPr id="113" name="112 Conector recto"/>
+            <p:cNvCxnSpPr>
+              <a:stCxn id="115" idx="7"/>
+              <a:endCxn id="116" idx="3"/>
+            </p:cNvCxnSpPr>
+            <p:nvPr/>
+          </p:nvCxnSpPr>
+          <p:spPr>
+            <a:xfrm flipV="1">
+              <a:off x="781899" y="3180771"/>
+              <a:ext cx="76832" cy="16841"/>
+            </a:xfrm>
+            <a:prstGeom prst="line">
+              <a:avLst/>
+            </a:prstGeom>
+            <a:ln w="3175"/>
+          </p:spPr>
+          <p:style>
+            <a:lnRef idx="1">
+              <a:schemeClr val="accent6"/>
+            </a:lnRef>
+            <a:fillRef idx="0">
+              <a:schemeClr val="accent6"/>
+            </a:fillRef>
+            <a:effectRef idx="0">
+              <a:schemeClr val="accent6"/>
+            </a:effectRef>
+            <a:fontRef idx="minor">
+              <a:schemeClr val="tx1"/>
+            </a:fontRef>
+          </p:style>
+        </p:cxnSp>
+        <p:sp>
+          <p:nvSpPr>
+            <p:cNvPr id="114" name="113 Elipse"/>
+            <p:cNvSpPr/>
+            <p:nvPr/>
+          </p:nvSpPr>
+          <p:spPr>
+            <a:xfrm>
+              <a:off x="770025" y="3122769"/>
+              <a:ext cx="64800" cy="18000"/>
+            </a:xfrm>
+            <a:prstGeom prst="ellipse">
+              <a:avLst/>
+            </a:prstGeom>
+            <a:noFill/>
+            <a:ln w="6350"/>
+          </p:spPr>
+          <p:style>
+            <a:lnRef idx="2">
+              <a:schemeClr val="accent6"/>
+            </a:lnRef>
+            <a:fillRef idx="1">
+              <a:schemeClr val="lt1"/>
+            </a:fillRef>
+            <a:effectRef idx="0">
+              <a:schemeClr val="accent6"/>
+            </a:effectRef>
+            <a:fontRef idx="minor">
+              <a:schemeClr val="dk1"/>
+            </a:fontRef>
+          </p:style>
+          <p:txBody>
+            <a:bodyPr rtlCol="0" anchor="ctr"/>
+            <a:lstStyle/>
+            <a:p>
+              <a:pPr algn="ctr"/>
+              <a:endParaRPr lang="es-ES"/>
+            </a:p>
+          </p:txBody>
+        </p:sp>
+        <p:sp>
+          <p:nvSpPr>
+            <p:cNvPr id="115" name="114 Elipse"/>
+            <p:cNvSpPr/>
+            <p:nvPr/>
+          </p:nvSpPr>
+          <p:spPr>
+            <a:xfrm>
+              <a:off x="726589" y="3194976"/>
+              <a:ext cx="64800" cy="18000"/>
+            </a:xfrm>
+            <a:prstGeom prst="ellipse">
+              <a:avLst/>
+            </a:prstGeom>
+            <a:noFill/>
+            <a:ln w="6350"/>
+          </p:spPr>
+          <p:style>
+            <a:lnRef idx="2">
+              <a:schemeClr val="accent6"/>
+            </a:lnRef>
+            <a:fillRef idx="1">
+              <a:schemeClr val="lt1"/>
+            </a:fillRef>
+            <a:effectRef idx="0">
+              <a:schemeClr val="accent6"/>
+            </a:effectRef>
+            <a:fontRef idx="minor">
+              <a:schemeClr val="dk1"/>
+            </a:fontRef>
+          </p:style>
+          <p:txBody>
+            <a:bodyPr rtlCol="0" anchor="ctr"/>
+            <a:lstStyle/>
+            <a:p>
+              <a:pPr algn="ctr"/>
+              <a:endParaRPr lang="es-ES"/>
+            </a:p>
+          </p:txBody>
+        </p:sp>
+        <p:sp>
+          <p:nvSpPr>
+            <p:cNvPr id="116" name="115 Elipse"/>
+            <p:cNvSpPr/>
+            <p:nvPr/>
+          </p:nvSpPr>
+          <p:spPr>
+            <a:xfrm>
+              <a:off x="849241" y="3165407"/>
+              <a:ext cx="64800" cy="18000"/>
+            </a:xfrm>
+            <a:prstGeom prst="ellipse">
+              <a:avLst/>
+            </a:prstGeom>
+            <a:noFill/>
+            <a:ln w="6350"/>
+          </p:spPr>
+          <p:style>
+            <a:lnRef idx="2">
+              <a:schemeClr val="accent6"/>
+            </a:lnRef>
+            <a:fillRef idx="1">
+              <a:schemeClr val="lt1"/>
+            </a:fillRef>
+            <a:effectRef idx="0">
+              <a:schemeClr val="accent6"/>
+            </a:effectRef>
+            <a:fontRef idx="minor">
+              <a:schemeClr val="dk1"/>
+            </a:fontRef>
+          </p:style>
+          <p:txBody>
+            <a:bodyPr rtlCol="0" anchor="ctr"/>
+            <a:lstStyle/>
+            <a:p>
+              <a:pPr algn="ctr"/>
+              <a:endParaRPr lang="es-ES"/>
+            </a:p>
+          </p:txBody>
+        </p:sp>
+      </p:grpSp>
+      <p:pic>
+        <p:nvPicPr>
+          <p:cNvPr id="117" name="Picture 4" descr="http://wiki.eclipse.org/images/0/0c/AtlLogo.png"/>
+          <p:cNvPicPr>
+            <a:picLocks noChangeAspect="1" noChangeArrowheads="1"/>
+          </p:cNvPicPr>
+          <p:nvPr/>
+        </p:nvPicPr>
+        <p:blipFill>
+          <a:blip r:embed="rId18" cstate="print">
+            <a:clrChange>
+              <a:clrFrom>
+                <a:srgbClr val="FFFFFF"/>
+              </a:clrFrom>
+              <a:clrTo>
+                <a:srgbClr val="FFFFFF">
+                  <a:alpha val="0"/>
+                </a:srgbClr>
+              </a:clrTo>
+            </a:clrChange>
+            <a:extLst>
+              <a:ext uri="{28A0092B-C50C-407E-A947-70E740481C1C}">
+                <a14:useLocalDpi xmlns:a14="http://schemas.microsoft.com/office/drawing/2010/main" val="0"/>
+              </a:ext>
+            </a:extLst>
+          </a:blip>
+          <a:srcRect/>
+          <a:stretch>
+            <a:fillRect/>
+          </a:stretch>
+        </p:blipFill>
+        <p:spPr bwMode="auto">
+          <a:xfrm>
+            <a:off x="6565489" y="4043979"/>
+            <a:ext cx="61876" cy="62391"/>
+          </a:xfrm>
+          <a:prstGeom prst="rect">
+            <a:avLst/>
+          </a:prstGeom>
+          <a:noFill/>
+          <a:extLst>
+            <a:ext uri="{909E8E84-426E-40DD-AFC4-6F175D3DCCD1}">
+              <a14:hiddenFill xmlns:a14="http://schemas.microsoft.com/office/drawing/2010/main">
+                <a:solidFill>
+                  <a:srgbClr val="FFFFFF"/>
+                </a:solidFill>
+              </a14:hiddenFill>
+            </a:ext>
+          </a:extLst>
+        </p:spPr>
+      </p:pic>
+      <p:pic>
+        <p:nvPicPr>
+          <p:cNvPr id="118" name="Picture 4" descr="http://wiki.eclipse.org/images/0/0c/AtlLogo.png"/>
+          <p:cNvPicPr>
+            <a:picLocks noChangeAspect="1" noChangeArrowheads="1"/>
+          </p:cNvPicPr>
+          <p:nvPr/>
+        </p:nvPicPr>
+        <p:blipFill>
+          <a:blip r:embed="rId18" cstate="print">
+            <a:clrChange>
+              <a:clrFrom>
+                <a:srgbClr val="FFFFFF"/>
+              </a:clrFrom>
+              <a:clrTo>
+                <a:srgbClr val="FFFFFF">
+                  <a:alpha val="0"/>
+                </a:srgbClr>
+              </a:clrTo>
+            </a:clrChange>
+            <a:extLst>
+              <a:ext uri="{28A0092B-C50C-407E-A947-70E740481C1C}">
+                <a14:useLocalDpi xmlns:a14="http://schemas.microsoft.com/office/drawing/2010/main" val="0"/>
+              </a:ext>
+            </a:extLst>
+          </a:blip>
+          <a:srcRect/>
+          <a:stretch>
+            <a:fillRect/>
+          </a:stretch>
+        </p:blipFill>
+        <p:spPr bwMode="auto">
+          <a:xfrm>
+            <a:off x="6521572" y="4117026"/>
+            <a:ext cx="61876" cy="62391"/>
+          </a:xfrm>
+          <a:prstGeom prst="rect">
+            <a:avLst/>
+          </a:prstGeom>
+          <a:noFill/>
+          <a:extLst>
+            <a:ext uri="{909E8E84-426E-40DD-AFC4-6F175D3DCCD1}">
+              <a14:hiddenFill xmlns:a14="http://schemas.microsoft.com/office/drawing/2010/main">
+                <a:solidFill>
+                  <a:srgbClr val="FFFFFF"/>
+                </a:solidFill>
+              </a14:hiddenFill>
+            </a:ext>
+          </a:extLst>
+        </p:spPr>
+      </p:pic>
+      <p:pic>
+        <p:nvPicPr>
+          <p:cNvPr id="2059" name="Picture 11"/>
+          <p:cNvPicPr>
+            <a:picLocks noChangeAspect="1" noChangeArrowheads="1"/>
+          </p:cNvPicPr>
+          <p:nvPr/>
+        </p:nvPicPr>
+        <p:blipFill>
+          <a:blip r:embed="rId20" cstate="print">
+            <a:clrChange>
+              <a:clrFrom>
+                <a:srgbClr val="FFFFFF"/>
+              </a:clrFrom>
+              <a:clrTo>
+                <a:srgbClr val="FFFFFF">
+                  <a:alpha val="0"/>
+                </a:srgbClr>
+              </a:clrTo>
+            </a:clrChange>
+            <a:extLst>
+              <a:ext uri="{28A0092B-C50C-407E-A947-70E740481C1C}">
+                <a14:useLocalDpi xmlns:a14="http://schemas.microsoft.com/office/drawing/2010/main" val="0"/>
+              </a:ext>
+            </a:extLst>
+          </a:blip>
+          <a:srcRect/>
+          <a:stretch>
+            <a:fillRect/>
+          </a:stretch>
+        </p:blipFill>
+        <p:spPr bwMode="auto">
+          <a:xfrm>
+            <a:off x="6638868" y="4078401"/>
+            <a:ext cx="72000" cy="72000"/>
+          </a:xfrm>
+          <a:prstGeom prst="rect">
+            <a:avLst/>
+          </a:prstGeom>
+          <a:noFill/>
+          <a:ln>
+            <a:noFill/>
+          </a:ln>
+          <a:effectLst/>
+          <a:extLst>
+            <a:ext uri="{909E8E84-426E-40DD-AFC4-6F175D3DCCD1}">
+              <a14:hiddenFill xmlns:a14="http://schemas.microsoft.com/office/drawing/2010/main">
+                <a:solidFill>
+                  <a:schemeClr val="accent1"/>
+                </a:solidFill>
+              </a14:hiddenFill>
+            </a:ext>
+            <a:ext uri="{91240B29-F687-4F45-9708-019B960494DF}">
+              <a14:hiddenLine xmlns:a14="http://schemas.microsoft.com/office/drawing/2010/main" w="9525">
+                <a:solidFill>
+                  <a:schemeClr val="tx1"/>
+                </a:solidFill>
+                <a:miter lim="800000"/>
+                <a:headEnd/>
+                <a:tailEnd/>
+              </a14:hiddenLine>
+            </a:ext>
+            <a:ext uri="{AF507438-7753-43E0-B8FC-AC1667EBCBE1}">
+              <a14:hiddenEffects xmlns:a14="http://schemas.microsoft.com/office/drawing/2010/main">
+                <a:effectLst>
+                  <a:outerShdw dist="35921" dir="2700000" algn="ctr" rotWithShape="0">
+                    <a:schemeClr val="bg2"/>
+                  </a:outerShdw>
+                </a:effectLst>
+              </a14:hiddenEffects>
+            </a:ext>
+          </a:extLst>
+        </p:spPr>
+      </p:pic>
+      <p:grpSp>
+        <p:nvGrpSpPr>
+          <p:cNvPr id="120" name="119 Grupo"/>
+          <p:cNvGrpSpPr/>
+          <p:nvPr/>
+        </p:nvGrpSpPr>
+        <p:grpSpPr>
+          <a:xfrm>
+            <a:off x="6062601" y="4343900"/>
+            <a:ext cx="187452" cy="90207"/>
+            <a:chOff x="726589" y="3122769"/>
+            <a:chExt cx="187452" cy="90207"/>
+          </a:xfrm>
+        </p:grpSpPr>
+        <p:cxnSp>
+          <p:nvCxnSpPr>
+            <p:cNvPr id="121" name="120 Conector recto"/>
+            <p:cNvCxnSpPr>
+              <a:stCxn id="125" idx="1"/>
+              <a:endCxn id="123" idx="5"/>
+            </p:cNvCxnSpPr>
+            <p:nvPr/>
+          </p:nvCxnSpPr>
+          <p:spPr>
+            <a:xfrm flipH="1" flipV="1">
+              <a:off x="825335" y="3138133"/>
+              <a:ext cx="33396" cy="29910"/>
+            </a:xfrm>
+            <a:prstGeom prst="line">
+              <a:avLst/>
+            </a:prstGeom>
+            <a:ln w="3175"/>
+          </p:spPr>
+          <p:style>
+            <a:lnRef idx="1">
+              <a:schemeClr val="accent6"/>
+            </a:lnRef>
+            <a:fillRef idx="0">
+              <a:schemeClr val="accent6"/>
+            </a:fillRef>
+            <a:effectRef idx="0">
+              <a:schemeClr val="accent6"/>
+            </a:effectRef>
+            <a:fontRef idx="minor">
+              <a:schemeClr val="tx1"/>
+            </a:fontRef>
+          </p:style>
+        </p:cxnSp>
+        <p:cxnSp>
+          <p:nvCxnSpPr>
+            <p:cNvPr id="122" name="121 Conector recto"/>
+            <p:cNvCxnSpPr>
+              <a:stCxn id="124" idx="7"/>
+              <a:endCxn id="125" idx="3"/>
+            </p:cNvCxnSpPr>
+            <p:nvPr/>
+          </p:nvCxnSpPr>
+          <p:spPr>
+            <a:xfrm flipV="1">
+              <a:off x="781899" y="3180771"/>
+              <a:ext cx="76832" cy="16841"/>
+            </a:xfrm>
+            <a:prstGeom prst="line">
+              <a:avLst/>
+            </a:prstGeom>
+            <a:ln w="3175"/>
+          </p:spPr>
+          <p:style>
+            <a:lnRef idx="1">
+              <a:schemeClr val="accent6"/>
+            </a:lnRef>
+            <a:fillRef idx="0">
+              <a:schemeClr val="accent6"/>
+            </a:fillRef>
+            <a:effectRef idx="0">
+              <a:schemeClr val="accent6"/>
+            </a:effectRef>
+            <a:fontRef idx="minor">
+              <a:schemeClr val="tx1"/>
+            </a:fontRef>
+          </p:style>
+        </p:cxnSp>
+        <p:sp>
+          <p:nvSpPr>
+            <p:cNvPr id="123" name="122 Elipse"/>
+            <p:cNvSpPr/>
+            <p:nvPr/>
+          </p:nvSpPr>
+          <p:spPr>
+            <a:xfrm>
+              <a:off x="770025" y="3122769"/>
+              <a:ext cx="64800" cy="18000"/>
+            </a:xfrm>
+            <a:prstGeom prst="ellipse">
+              <a:avLst/>
+            </a:prstGeom>
+            <a:noFill/>
+            <a:ln w="6350"/>
+          </p:spPr>
+          <p:style>
+            <a:lnRef idx="2">
+              <a:schemeClr val="accent6"/>
+            </a:lnRef>
+            <a:fillRef idx="1">
+              <a:schemeClr val="lt1"/>
+            </a:fillRef>
+            <a:effectRef idx="0">
+              <a:schemeClr val="accent6"/>
+            </a:effectRef>
+            <a:fontRef idx="minor">
+              <a:schemeClr val="dk1"/>
+            </a:fontRef>
+          </p:style>
+          <p:txBody>
+            <a:bodyPr rtlCol="0" anchor="ctr"/>
+            <a:lstStyle/>
+            <a:p>
+              <a:pPr algn="ctr"/>
+              <a:endParaRPr lang="es-ES"/>
+            </a:p>
+          </p:txBody>
+        </p:sp>
+        <p:sp>
+          <p:nvSpPr>
+            <p:cNvPr id="124" name="123 Elipse"/>
+            <p:cNvSpPr/>
+            <p:nvPr/>
+          </p:nvSpPr>
+          <p:spPr>
+            <a:xfrm>
+              <a:off x="726589" y="3194976"/>
+              <a:ext cx="64800" cy="18000"/>
+            </a:xfrm>
+            <a:prstGeom prst="ellipse">
+              <a:avLst/>
+            </a:prstGeom>
+            <a:noFill/>
+            <a:ln w="6350"/>
+          </p:spPr>
+          <p:style>
+            <a:lnRef idx="2">
+              <a:schemeClr val="accent6"/>
+            </a:lnRef>
+            <a:fillRef idx="1">
+              <a:schemeClr val="lt1"/>
+            </a:fillRef>
+            <a:effectRef idx="0">
+              <a:schemeClr val="accent6"/>
+            </a:effectRef>
+            <a:fontRef idx="minor">
+              <a:schemeClr val="dk1"/>
+            </a:fontRef>
+          </p:style>
+          <p:txBody>
+            <a:bodyPr rtlCol="0" anchor="ctr"/>
+            <a:lstStyle/>
+            <a:p>
+              <a:pPr algn="ctr"/>
+              <a:endParaRPr lang="es-ES"/>
+            </a:p>
+          </p:txBody>
+        </p:sp>
+        <p:sp>
+          <p:nvSpPr>
+            <p:cNvPr id="125" name="124 Elipse"/>
+            <p:cNvSpPr/>
+            <p:nvPr/>
+          </p:nvSpPr>
+          <p:spPr>
+            <a:xfrm>
+              <a:off x="849241" y="3165407"/>
+              <a:ext cx="64800" cy="18000"/>
+            </a:xfrm>
+            <a:prstGeom prst="ellipse">
+              <a:avLst/>
+            </a:prstGeom>
+            <a:noFill/>
+            <a:ln w="6350"/>
+          </p:spPr>
+          <p:style>
+            <a:lnRef idx="2">
+              <a:schemeClr val="accent6"/>
+            </a:lnRef>
+            <a:fillRef idx="1">
+              <a:schemeClr val="lt1"/>
+            </a:fillRef>
+            <a:effectRef idx="0">
+              <a:schemeClr val="accent6"/>
+            </a:effectRef>
+            <a:fontRef idx="minor">
+              <a:schemeClr val="dk1"/>
+            </a:fontRef>
+          </p:style>
+          <p:txBody>
+            <a:bodyPr rtlCol="0" anchor="ctr"/>
+            <a:lstStyle/>
+            <a:p>
+              <a:pPr algn="ctr"/>
+              <a:endParaRPr lang="es-ES"/>
+            </a:p>
+          </p:txBody>
+        </p:sp>
+      </p:grpSp>
+      <p:pic>
+        <p:nvPicPr>
+          <p:cNvPr id="126" name="Picture 4" descr="http://wiki.eclipse.org/images/0/0c/AtlLogo.png"/>
+          <p:cNvPicPr>
+            <a:picLocks noChangeAspect="1" noChangeArrowheads="1"/>
+          </p:cNvPicPr>
+          <p:nvPr/>
+        </p:nvPicPr>
+        <p:blipFill>
+          <a:blip r:embed="rId18" cstate="print">
+            <a:clrChange>
+              <a:clrFrom>
+                <a:srgbClr val="FFFFFF"/>
+              </a:clrFrom>
+              <a:clrTo>
+                <a:srgbClr val="FFFFFF">
+                  <a:alpha val="0"/>
+                </a:srgbClr>
+              </a:clrTo>
+            </a:clrChange>
+            <a:extLst>
+              <a:ext uri="{28A0092B-C50C-407E-A947-70E740481C1C}">
+                <a14:useLocalDpi xmlns:a14="http://schemas.microsoft.com/office/drawing/2010/main" val="0"/>
+              </a:ext>
+            </a:extLst>
+          </a:blip>
+          <a:srcRect/>
+          <a:stretch>
+            <a:fillRect/>
+          </a:stretch>
+        </p:blipFill>
+        <p:spPr bwMode="auto">
+          <a:xfrm>
+            <a:off x="6111874" y="4303434"/>
+            <a:ext cx="61876" cy="62391"/>
+          </a:xfrm>
+          <a:prstGeom prst="rect">
+            <a:avLst/>
+          </a:prstGeom>
+          <a:noFill/>
+          <a:extLst>
+            <a:ext uri="{909E8E84-426E-40DD-AFC4-6F175D3DCCD1}">
+              <a14:hiddenFill xmlns:a14="http://schemas.microsoft.com/office/drawing/2010/main">
+                <a:solidFill>
+                  <a:srgbClr val="FFFFFF"/>
+                </a:solidFill>
+              </a14:hiddenFill>
+            </a:ext>
+          </a:extLst>
+        </p:spPr>
+      </p:pic>
+      <p:pic>
+        <p:nvPicPr>
+          <p:cNvPr id="127" name="Picture 4" descr="http://wiki.eclipse.org/images/0/0c/AtlLogo.png"/>
+          <p:cNvPicPr>
+            <a:picLocks noChangeAspect="1" noChangeArrowheads="1"/>
+          </p:cNvPicPr>
+          <p:nvPr/>
+        </p:nvPicPr>
+        <p:blipFill>
+          <a:blip r:embed="rId18" cstate="print">
+            <a:clrChange>
+              <a:clrFrom>
+                <a:srgbClr val="FFFFFF"/>
+              </a:clrFrom>
+              <a:clrTo>
+                <a:srgbClr val="FFFFFF">
+                  <a:alpha val="0"/>
+                </a:srgbClr>
+              </a:clrTo>
+            </a:clrChange>
+            <a:extLst>
+              <a:ext uri="{28A0092B-C50C-407E-A947-70E740481C1C}">
+                <a14:useLocalDpi xmlns:a14="http://schemas.microsoft.com/office/drawing/2010/main" val="0"/>
+              </a:ext>
+            </a:extLst>
+          </a:blip>
+          <a:srcRect/>
+          <a:stretch>
+            <a:fillRect/>
+          </a:stretch>
+        </p:blipFill>
+        <p:spPr bwMode="auto">
+          <a:xfrm>
+            <a:off x="6067957" y="4376481"/>
+            <a:ext cx="61876" cy="62391"/>
+          </a:xfrm>
+          <a:prstGeom prst="rect">
+            <a:avLst/>
+          </a:prstGeom>
+          <a:noFill/>
+          <a:extLst>
+            <a:ext uri="{909E8E84-426E-40DD-AFC4-6F175D3DCCD1}">
+              <a14:hiddenFill xmlns:a14="http://schemas.microsoft.com/office/drawing/2010/main">
+                <a:solidFill>
+                  <a:srgbClr val="FFFFFF"/>
+                </a:solidFill>
+              </a14:hiddenFill>
+            </a:ext>
+          </a:extLst>
+        </p:spPr>
+      </p:pic>
+      <p:sp>
+        <p:nvSpPr>
+          <p:cNvPr id="60" name="59 Más"/>
+          <p:cNvSpPr/>
+          <p:nvPr/>
+        </p:nvSpPr>
+        <p:spPr>
+          <a:xfrm>
+            <a:off x="6185253" y="4352120"/>
+            <a:ext cx="72000" cy="72000"/>
+          </a:xfrm>
+          <a:prstGeom prst="mathPlus">
+            <a:avLst/>
+          </a:prstGeom>
+        </p:spPr>
+        <p:style>
+          <a:lnRef idx="0">
+            <a:schemeClr val="accent3"/>
+          </a:lnRef>
+          <a:fillRef idx="3">
+            <a:schemeClr val="accent3"/>
+          </a:fillRef>
+          <a:effectRef idx="3">
+            <a:schemeClr val="accent3"/>
+          </a:effectRef>
+          <a:fontRef idx="minor">
+            <a:schemeClr val="lt1"/>
+          </a:fontRef>
+        </p:style>
+        <p:txBody>
+          <a:bodyPr rtlCol="0" anchor="ctr"/>
+          <a:lstStyle/>
+          <a:p>
+            <a:pPr algn="ctr"/>
+            <a:endParaRPr lang="es-ES"/>
           </a:p>
         </p:txBody>
       </p:sp>
